--- a/topic09/talk-1/node-2020.pptx
+++ b/topic09/talk-1/node-2020.pptx
@@ -4013,7 +4013,7 @@
               </a:spcAft>
             </a:pPr>
             <a:r>
-              <a:rPr lang="en-IE" sz="2000"/>
+              <a:rPr lang="en-IE" sz="2000" dirty="0"/>
               <a:t>We’re using ES6+ syntax for front end development</a:t>
             </a:r>
           </a:p>
@@ -4024,7 +4024,7 @@
               </a:spcAft>
             </a:pPr>
             <a:r>
-              <a:rPr lang="en-IE" sz="2000"/>
+              <a:rPr lang="en-IE" sz="2000" dirty="0"/>
               <a:t>E.g. imports, spread operator, arrow functions, export default</a:t>
             </a:r>
           </a:p>
@@ -4035,8 +4035,35 @@
               </a:spcAft>
             </a:pPr>
             <a:r>
-              <a:rPr lang="en-IE" sz="2000"/>
-              <a:t>Node.js does not support all of the latest and greatest ES6+ features</a:t>
+              <a:rPr lang="en-IE" sz="2000" b="1" dirty="0"/>
+              <a:t>Node.js, as yet,  does not support all of the latest and greatest ES6+ features</a:t>
+            </a:r>
+          </a:p>
+          <a:p>
+            <a:pPr lvl="1">
+              <a:spcAft>
+                <a:spcPts val="600"/>
+              </a:spcAft>
+            </a:pPr>
+            <a:r>
+              <a:rPr lang="en-IE" sz="2000" dirty="0"/>
+              <a:t>We can use Babel to </a:t>
+            </a:r>
+            <a:r>
+              <a:rPr lang="en-IE" sz="2000" i="1" dirty="0"/>
+              <a:t>“</a:t>
+            </a:r>
+            <a:r>
+              <a:rPr lang="en-IE" sz="2000" i="1" dirty="0" err="1"/>
+              <a:t>Transpile</a:t>
+            </a:r>
+            <a:r>
+              <a:rPr lang="en-IE" sz="2000" i="1" dirty="0"/>
+              <a:t>” </a:t>
+            </a:r>
+            <a:r>
+              <a:rPr lang="en-IE" sz="2000" dirty="0"/>
+              <a:t>code from ES6+ to ES5 before we run it</a:t>
             </a:r>
           </a:p>
           <a:p>
@@ -4046,19 +4073,16 @@
               </a:spcAft>
             </a:pPr>
             <a:r>
-              <a:rPr lang="en-IE" sz="2000"/>
-              <a:t>Solution:</a:t>
-            </a:r>
-          </a:p>
-          <a:p>
-            <a:pPr lvl="1">
-              <a:spcAft>
-                <a:spcPts val="600"/>
-              </a:spcAft>
-            </a:pPr>
-            <a:r>
-              <a:rPr lang="en-IE" sz="2000"/>
-              <a:t>Use Babel to “Transpile” code from ES6+ to ES5 before we run it</a:t>
+              <a:rPr lang="en-IE" sz="2000" dirty="0"/>
+              <a:t>We will install as </a:t>
+            </a:r>
+            <a:r>
+              <a:rPr lang="en-IE" sz="2000" b="1" dirty="0"/>
+              <a:t>Development Dependency </a:t>
+            </a:r>
+            <a:r>
+              <a:rPr lang="en-IE" sz="2000" dirty="0"/>
+              <a:t>for our project</a:t>
             </a:r>
           </a:p>
           <a:p>
@@ -4067,26 +4091,7 @@
                 <a:spcPts val="600"/>
               </a:spcAft>
             </a:pPr>
-            <a:r>
-              <a:rPr lang="en-IE" sz="2000"/>
-              <a:t>We will install as </a:t>
-            </a:r>
-            <a:r>
-              <a:rPr lang="en-IE" sz="2000" b="1"/>
-              <a:t>Development Dependency </a:t>
-            </a:r>
-            <a:r>
-              <a:rPr lang="en-IE" sz="2000"/>
-              <a:t>for our project</a:t>
-            </a:r>
-          </a:p>
-          <a:p>
-            <a:pPr>
-              <a:spcAft>
-                <a:spcPts val="600"/>
-              </a:spcAft>
-            </a:pPr>
-            <a:endParaRPr lang="en-IE" sz="2000"/>
+            <a:endParaRPr lang="en-IE" sz="2000" dirty="0"/>
           </a:p>
           <a:p>
             <a:pPr marL="0" indent="0">
@@ -4095,7 +4100,7 @@
               </a:spcAft>
               <a:buNone/>
             </a:pPr>
-            <a:endParaRPr lang="en-IE" sz="2000"/>
+            <a:endParaRPr lang="en-IE" sz="2000" dirty="0"/>
           </a:p>
         </p:txBody>
       </p:sp>
@@ -4861,7 +4866,7 @@
               <a:rPr lang="en-IE" sz="4400" dirty="0">
                 <a:latin typeface="Arial"/>
               </a:rPr>
-              <a:t>What is Node.js: Event-based</a:t>
+              <a:t>What is Node.js: “Event-based”</a:t>
             </a:r>
             <a:endParaRPr dirty="0"/>
           </a:p>
@@ -7187,7 +7192,7 @@
                 </a:solidFill>
                 <a:latin typeface="Consolas" panose="020B0609020204030204" pitchFamily="49" charset="0"/>
               </a:rPr>
-              <a:t>'./readme.md’, ‘utf8’</a:t>
+              <a:t>‘./text.txt’, ‘utf8’</a:t>
             </a:r>
             <a:r>
               <a:rPr lang="en-IE" dirty="0">
@@ -9656,7 +9661,7 @@
         <p:spPr>
           <a:xfrm>
             <a:off x="2183575" y="1785142"/>
-            <a:ext cx="7740114" cy="3785652"/>
+            <a:ext cx="7740114" cy="3170099"/>
           </a:xfrm>
           <a:prstGeom prst="rect">
             <a:avLst/>
@@ -9709,16 +9714,6 @@
             <a:r>
               <a:rPr lang="en-IE" sz="4000" dirty="0"/>
               <a:t> in node</a:t>
-            </a:r>
-          </a:p>
-          <a:p>
-            <a:pPr marL="285750" indent="-285750">
-              <a:buFont typeface="Arial" panose="020B0604020202020204" pitchFamily="34" charset="0"/>
-              <a:buChar char="•"/>
-            </a:pPr>
-            <a:r>
-              <a:rPr lang="en-IE" sz="4000" dirty="0"/>
-              <a:t>Creating a node app</a:t>
             </a:r>
           </a:p>
           <a:p>
@@ -10082,67 +10077,6 @@
                                           <p:spTgt spid="4">
                                             <p:txEl>
                                               <p:pRg st="4" end="4"/>
-                                            </p:txEl>
-                                          </p:spTgt>
-                                        </p:tgtEl>
-                                      </p:cBhvr>
-                                    </p:animEffect>
-                                  </p:childTnLst>
-                                </p:cTn>
-                              </p:par>
-                            </p:childTnLst>
-                          </p:cTn>
-                        </p:par>
-                      </p:childTnLst>
-                    </p:cTn>
-                  </p:par>
-                  <p:par>
-                    <p:cTn id="28" fill="hold">
-                      <p:stCondLst>
-                        <p:cond delay="indefinite"/>
-                      </p:stCondLst>
-                      <p:childTnLst>
-                        <p:par>
-                          <p:cTn id="29" fill="hold">
-                            <p:stCondLst>
-                              <p:cond delay="0"/>
-                            </p:stCondLst>
-                            <p:childTnLst>
-                              <p:par>
-                                <p:cTn id="30" presetID="10" presetClass="entr" presetSubtype="0" fill="hold" nodeType="clickEffect">
-                                  <p:stCondLst>
-                                    <p:cond delay="0"/>
-                                  </p:stCondLst>
-                                  <p:childTnLst>
-                                    <p:set>
-                                      <p:cBhvr>
-                                        <p:cTn id="31" dur="1" fill="hold">
-                                          <p:stCondLst>
-                                            <p:cond delay="0"/>
-                                          </p:stCondLst>
-                                        </p:cTn>
-                                        <p:tgtEl>
-                                          <p:spTgt spid="4">
-                                            <p:txEl>
-                                              <p:pRg st="5" end="5"/>
-                                            </p:txEl>
-                                          </p:spTgt>
-                                        </p:tgtEl>
-                                        <p:attrNameLst>
-                                          <p:attrName>style.visibility</p:attrName>
-                                        </p:attrNameLst>
-                                      </p:cBhvr>
-                                      <p:to>
-                                        <p:strVal val="visible"/>
-                                      </p:to>
-                                    </p:set>
-                                    <p:animEffect transition="in" filter="fade">
-                                      <p:cBhvr>
-                                        <p:cTn id="32" dur="500"/>
-                                        <p:tgtEl>
-                                          <p:spTgt spid="4">
-                                            <p:txEl>
-                                              <p:pRg st="5" end="5"/>
                                             </p:txEl>
                                           </p:spTgt>
                                         </p:tgtEl>
@@ -15110,6 +15044,14 @@
 <file path=ppt/slides/slide4.xml><?xml version="1.0" encoding="utf-8"?>
 <p:sld xmlns:a="http://schemas.openxmlformats.org/drawingml/2006/main" xmlns:r="http://schemas.openxmlformats.org/officeDocument/2006/relationships" xmlns:p="http://schemas.openxmlformats.org/presentationml/2006/main">
   <p:cSld>
+    <p:bg>
+      <p:bgPr>
+        <a:solidFill>
+          <a:schemeClr val="bg1"/>
+        </a:solidFill>
+        <a:effectLst/>
+      </p:bgPr>
+    </p:bg>
     <p:spTree>
       <p:nvGrpSpPr>
         <p:cNvPr id="1" name=""/>
@@ -15126,21 +15068,84 @@
       </p:grpSpPr>
       <p:sp>
         <p:nvSpPr>
+          <p:cNvPr id="79" name="Rectangle 78">
+            <a:extLst>
+              <a:ext uri="{FF2B5EF4-FFF2-40B4-BE49-F238E27FC236}">
+                <a16:creationId xmlns:a16="http://schemas.microsoft.com/office/drawing/2014/main" id="{EBF87945-A001-489F-9D9B-7D9435F0B9CA}"/>
+              </a:ext>
+              <a:ext uri="{C183D7F6-B498-43B3-948B-1728B52AA6E4}">
+                <adec:decorative xmlns:adec="http://schemas.microsoft.com/office/drawing/2017/decorative" val="1"/>
+              </a:ext>
+            </a:extLst>
+          </p:cNvPr>
+          <p:cNvSpPr>
+            <a:spLocks noGrp="1" noRot="1" noChangeAspect="1" noMove="1" noResize="1" noEditPoints="1" noAdjustHandles="1" noChangeArrowheads="1" noChangeShapeType="1" noTextEdit="1"/>
+          </p:cNvSpPr>
+          <p:nvPr>
+            <p:extLst>
+              <p:ext uri="{386F3935-93C4-4BCD-93E2-E3B085C9AB24}">
+                <p16:designElem xmlns:p16="http://schemas.microsoft.com/office/powerpoint/2015/main" val="1"/>
+              </p:ext>
+            </p:extLst>
+          </p:nvPr>
+        </p:nvSpPr>
+        <p:spPr>
+          <a:xfrm>
+            <a:off x="604788" y="383022"/>
+            <a:ext cx="12236915" cy="1985675"/>
+          </a:xfrm>
+          <a:prstGeom prst="rect">
+            <a:avLst/>
+          </a:prstGeom>
+          <a:solidFill>
+            <a:schemeClr val="accent5"/>
+          </a:solidFill>
+          <a:ln>
+            <a:noFill/>
+          </a:ln>
+        </p:spPr>
+        <p:style>
+          <a:lnRef idx="2">
+            <a:schemeClr val="accent1">
+              <a:shade val="50000"/>
+            </a:schemeClr>
+          </a:lnRef>
+          <a:fillRef idx="1">
+            <a:schemeClr val="accent1"/>
+          </a:fillRef>
+          <a:effectRef idx="0">
+            <a:schemeClr val="accent1"/>
+          </a:effectRef>
+          <a:fontRef idx="minor">
+            <a:schemeClr val="lt1"/>
+          </a:fontRef>
+        </p:style>
+        <p:txBody>
+          <a:bodyPr rtlCol="0" anchor="ctr"/>
+          <a:lstStyle/>
+          <a:p>
+            <a:pPr algn="ctr"/>
+            <a:endParaRPr lang="en-US"/>
+          </a:p>
+        </p:txBody>
+      </p:sp>
+      <p:sp>
+        <p:nvSpPr>
           <p:cNvPr id="136" name="TextShape 1"/>
           <p:cNvSpPr txBox="1"/>
           <p:nvPr/>
         </p:nvSpPr>
         <p:spPr>
           <a:xfrm>
-            <a:off x="6717799" y="885185"/>
-            <a:ext cx="5487297" cy="1602780"/>
+            <a:off x="923984" y="645092"/>
+            <a:ext cx="11591806" cy="1461187"/>
           </a:xfrm>
           <a:prstGeom prst="rect">
             <a:avLst/>
           </a:prstGeom>
         </p:spPr>
         <p:txBody>
-          <a:bodyPr vert="horz" lIns="91438" tIns="45719" rIns="91438" bIns="45719" rtlCol="0" anchor="ctr">
+          <a:bodyPr vert="horz" lIns="91440" tIns="45720" rIns="91440" bIns="45720" rtlCol="0" anchor="ctr">
             <a:normAutofit/>
           </a:bodyPr>
           <a:lstStyle/>
@@ -15157,9 +15162,9 @@
               </a:spcAft>
             </a:pPr>
             <a:r>
-              <a:rPr lang="en-US" sz="4400" dirty="0">
+              <a:rPr lang="en-US" sz="4400">
                 <a:solidFill>
-                  <a:srgbClr val="000000"/>
+                  <a:srgbClr val="FFFFFF"/>
                 </a:solidFill>
                 <a:latin typeface="+mj-lt"/>
                 <a:ea typeface="+mj-ea"/>
@@ -15176,16 +15181,15 @@
           <p:cNvPicPr/>
           <p:nvPr/>
         </p:nvPicPr>
-        <p:blipFill>
+        <p:blipFill rotWithShape="1">
           <a:blip r:embed="rId2"/>
-          <a:stretch>
-            <a:fillRect/>
-          </a:stretch>
+          <a:srcRect l="15915" r="17634" b="-1"/>
+          <a:stretch/>
         </p:blipFill>
         <p:spPr>
           <a:xfrm>
-            <a:off x="473454" y="3003931"/>
-            <a:ext cx="4036491" cy="1574075"/>
+            <a:off x="927344" y="2774280"/>
+            <a:ext cx="6874445" cy="4034676"/>
           </a:xfrm>
           <a:prstGeom prst="rect">
             <a:avLst/>
@@ -15200,20 +15204,20 @@
         </p:nvSpPr>
         <p:spPr>
           <a:xfrm>
-            <a:off x="6713906" y="2669485"/>
-            <a:ext cx="5486858" cy="4011537"/>
+            <a:off x="8319220" y="2774280"/>
+            <a:ext cx="4193210" cy="4034676"/>
           </a:xfrm>
           <a:prstGeom prst="rect">
             <a:avLst/>
           </a:prstGeom>
         </p:spPr>
         <p:txBody>
-          <a:bodyPr vert="horz" lIns="91438" tIns="45719" rIns="91438" bIns="45719" rtlCol="0" anchor="ctr">
+          <a:bodyPr vert="horz" lIns="91440" tIns="45720" rIns="91440" bIns="45720" rtlCol="0" anchor="ctr">
             <a:normAutofit/>
           </a:bodyPr>
           <a:lstStyle/>
           <a:p>
-            <a:pPr marL="457203" indent="-228602">
+            <a:pPr marL="457203" indent="-228600">
               <a:lnSpc>
                 <a:spcPct val="90000"/>
               </a:lnSpc>
@@ -15225,16 +15229,12 @@
               <a:buChar char="•"/>
             </a:pPr>
             <a:r>
-              <a:rPr lang="en-US" sz="2200">
-                <a:solidFill>
-                  <a:srgbClr val="000000"/>
-                </a:solidFill>
-              </a:rPr>
+              <a:rPr lang="en-US" sz="2200"/>
               <a:t>Node has a small core API</a:t>
             </a:r>
           </a:p>
           <a:p>
-            <a:pPr marL="457203" indent="-228602">
+            <a:pPr marL="457203" indent="-228600">
               <a:lnSpc>
                 <a:spcPct val="90000"/>
               </a:lnSpc>
@@ -15246,16 +15246,12 @@
               <a:buChar char="•"/>
             </a:pPr>
             <a:r>
-              <a:rPr lang="en-US" sz="2200">
-                <a:solidFill>
-                  <a:srgbClr val="000000"/>
-                </a:solidFill>
-              </a:rPr>
+              <a:rPr lang="en-US" sz="2200"/>
               <a:t>Most applications depend on third party modules</a:t>
             </a:r>
           </a:p>
           <a:p>
-            <a:pPr marL="457203" indent="-228602">
+            <a:pPr marL="457203" indent="-228600">
               <a:lnSpc>
                 <a:spcPct val="90000"/>
               </a:lnSpc>
@@ -15267,16 +15263,12 @@
               <a:buChar char="•"/>
             </a:pPr>
             <a:r>
-              <a:rPr lang="en-US" sz="2200">
-                <a:solidFill>
-                  <a:srgbClr val="000000"/>
-                </a:solidFill>
-              </a:rPr>
+              <a:rPr lang="en-US" sz="2200"/>
               <a:t>Curated in online registry called the Node Package Manager system (NPM)</a:t>
             </a:r>
           </a:p>
           <a:p>
-            <a:pPr marL="457203" indent="-228602">
+            <a:pPr marL="457203" indent="-228600">
               <a:lnSpc>
                 <a:spcPct val="90000"/>
               </a:lnSpc>
@@ -15288,27 +15280,15 @@
               <a:buChar char="•"/>
             </a:pPr>
             <a:r>
-              <a:rPr lang="en-US" sz="2200">
-                <a:solidFill>
-                  <a:srgbClr val="000000"/>
-                </a:solidFill>
-              </a:rPr>
+              <a:rPr lang="en-US" sz="2200"/>
               <a:t>NPM downloads and installs modules, placing them into a </a:t>
             </a:r>
             <a:r>
-              <a:rPr lang="en-US" sz="2200" b="1">
-                <a:solidFill>
-                  <a:srgbClr val="000000"/>
-                </a:solidFill>
-              </a:rPr>
+              <a:rPr lang="en-US" sz="2200" b="1"/>
               <a:t>node_modules</a:t>
             </a:r>
             <a:r>
-              <a:rPr lang="en-US" sz="2200">
-                <a:solidFill>
-                  <a:srgbClr val="000000"/>
-                </a:solidFill>
-              </a:rPr>
+              <a:rPr lang="en-US" sz="2200"/>
               <a:t> folder in your current folder.</a:t>
             </a:r>
           </a:p>
@@ -15599,6 +15579,14 @@
 <file path=ppt/slides/slide5.xml><?xml version="1.0" encoding="utf-8"?>
 <p:sld xmlns:a="http://schemas.openxmlformats.org/drawingml/2006/main" xmlns:r="http://schemas.openxmlformats.org/officeDocument/2006/relationships" xmlns:p="http://schemas.openxmlformats.org/presentationml/2006/main">
   <p:cSld>
+    <p:bg>
+      <p:bgPr>
+        <a:solidFill>
+          <a:schemeClr val="bg1"/>
+        </a:solidFill>
+        <a:effectLst/>
+      </p:bgPr>
+    </p:bg>
     <p:spTree>
       <p:nvGrpSpPr>
         <p:cNvPr id="1" name=""/>
@@ -15615,6 +15603,69 @@
       </p:grpSpPr>
       <p:sp>
         <p:nvSpPr>
+          <p:cNvPr id="8" name="Rectangle 7">
+            <a:extLst>
+              <a:ext uri="{FF2B5EF4-FFF2-40B4-BE49-F238E27FC236}">
+                <a16:creationId xmlns:a16="http://schemas.microsoft.com/office/drawing/2014/main" id="{DE7FFD28-545C-4C88-A2E7-152FB234C92C}"/>
+              </a:ext>
+              <a:ext uri="{C183D7F6-B498-43B3-948B-1728B52AA6E4}">
+                <adec:decorative xmlns:adec="http://schemas.microsoft.com/office/drawing/2017/decorative" val="1"/>
+              </a:ext>
+            </a:extLst>
+          </p:cNvPr>
+          <p:cNvSpPr>
+            <a:spLocks noGrp="1" noRot="1" noChangeAspect="1" noMove="1" noResize="1" noEditPoints="1" noAdjustHandles="1" noChangeArrowheads="1" noChangeShapeType="1" noTextEdit="1"/>
+          </p:cNvSpPr>
+          <p:nvPr>
+            <p:extLst>
+              <p:ext uri="{386F3935-93C4-4BCD-93E2-E3B085C9AB24}">
+                <p16:designElem xmlns:p16="http://schemas.microsoft.com/office/powerpoint/2015/main" val="1"/>
+              </p:ext>
+            </p:extLst>
+          </p:nvPr>
+        </p:nvSpPr>
+        <p:spPr>
+          <a:xfrm>
+            <a:off x="0" y="0"/>
+            <a:ext cx="13439775" cy="2106909"/>
+          </a:xfrm>
+          <a:prstGeom prst="rect">
+            <a:avLst/>
+          </a:prstGeom>
+          <a:solidFill>
+            <a:schemeClr val="accent5"/>
+          </a:solidFill>
+          <a:ln>
+            <a:noFill/>
+          </a:ln>
+        </p:spPr>
+        <p:style>
+          <a:lnRef idx="2">
+            <a:schemeClr val="accent1">
+              <a:shade val="50000"/>
+            </a:schemeClr>
+          </a:lnRef>
+          <a:fillRef idx="1">
+            <a:schemeClr val="accent1"/>
+          </a:fillRef>
+          <a:effectRef idx="0">
+            <a:schemeClr val="accent1"/>
+          </a:effectRef>
+          <a:fontRef idx="minor">
+            <a:schemeClr val="lt1"/>
+          </a:fontRef>
+        </p:style>
+        <p:txBody>
+          <a:bodyPr rtlCol="0" anchor="ctr"/>
+          <a:lstStyle/>
+          <a:p>
+            <a:pPr algn="ctr"/>
+            <a:endParaRPr lang="en-US"/>
+          </a:p>
+        </p:txBody>
+      </p:sp>
+      <p:sp>
+        <p:nvSpPr>
           <p:cNvPr id="2" name="Title 1"/>
           <p:cNvSpPr>
             <a:spLocks noGrp="1"/>
@@ -15625,8 +15676,8 @@
         </p:nvSpPr>
         <p:spPr>
           <a:xfrm>
-            <a:off x="924136" y="1062568"/>
-            <a:ext cx="3851887" cy="5434541"/>
+            <a:off x="923984" y="402482"/>
+            <a:ext cx="11591806" cy="1461188"/>
           </a:xfrm>
         </p:spPr>
         <p:txBody>
@@ -15635,11 +15686,10 @@
           </a:bodyPr>
           <a:lstStyle/>
           <a:p>
-            <a:pPr algn="r"/>
-            <a:r>
-              <a:rPr lang="en-IE">
+            <a:r>
+              <a:rPr lang="en-IE" sz="5100">
                 <a:solidFill>
-                  <a:schemeClr val="accent1"/>
+                  <a:srgbClr val="FFFFFF"/>
                 </a:solidFill>
               </a:rPr>
               <a:t>NPM init</a:t>
@@ -15659,12 +15709,12 @@
         </p:nvSpPr>
         <p:spPr>
           <a:xfrm>
-            <a:off x="5485329" y="1062568"/>
-            <a:ext cx="7030309" cy="5434541"/>
+            <a:off x="923984" y="2687884"/>
+            <a:ext cx="11591806" cy="4121072"/>
           </a:xfrm>
         </p:spPr>
         <p:txBody>
-          <a:bodyPr anchor="ctr">
+          <a:bodyPr>
             <a:normAutofit/>
           </a:bodyPr>
           <a:lstStyle/>
@@ -15677,10 +15727,10 @@
               <a:buChar char="•"/>
             </a:pPr>
             <a:r>
-              <a:rPr lang="en-IE" sz="2600" dirty="0"/>
+              <a:rPr lang="en-IE" sz="2900"/>
               <a:t>You can use NPM to manage your node projects</a:t>
             </a:r>
-            <a:endParaRPr lang="en-US" sz="2600" dirty="0"/>
+            <a:endParaRPr lang="en-US" sz="2900"/>
           </a:p>
           <a:p>
             <a:pPr marL="342902" indent="-342902">
@@ -15691,10 +15741,10 @@
               <a:buChar char="•"/>
             </a:pPr>
             <a:r>
-              <a:rPr lang="en-IE" sz="2600" dirty="0"/>
+              <a:rPr lang="en-IE" sz="2900"/>
               <a:t>Run the following in the root folder of your app/project:</a:t>
             </a:r>
-            <a:endParaRPr lang="en-IE" sz="2600" dirty="0">
+            <a:endParaRPr lang="en-IE" sz="2900">
               <a:cs typeface="Arial"/>
             </a:endParaRPr>
           </a:p>
@@ -15705,22 +15755,14 @@
               </a:spcAft>
             </a:pPr>
             <a:r>
-              <a:rPr lang="en-IE" sz="2600" dirty="0"/>
+              <a:rPr lang="en-IE" sz="2900"/>
               <a:t>		</a:t>
             </a:r>
             <a:r>
-              <a:rPr lang="en-IE" sz="2600" b="1" dirty="0" err="1"/>
-              <a:t>npm</a:t>
-            </a:r>
-            <a:r>
-              <a:rPr lang="en-IE" sz="2600" b="1" dirty="0"/>
-              <a:t> </a:t>
-            </a:r>
-            <a:r>
-              <a:rPr lang="en-IE" sz="2600" b="1" dirty="0" err="1"/>
-              <a:t>init</a:t>
-            </a:r>
-            <a:endParaRPr lang="en-IE" sz="2600" b="1" dirty="0">
+              <a:rPr lang="en-IE" sz="2900" b="1"/>
+              <a:t>npm init</a:t>
+            </a:r>
+            <a:endParaRPr lang="en-IE" sz="2900" b="1">
               <a:cs typeface="Arial"/>
             </a:endParaRPr>
           </a:p>
@@ -15733,22 +15775,18 @@
               <a:buChar char="•"/>
             </a:pPr>
             <a:r>
-              <a:rPr lang="en-IE" sz="2600" dirty="0"/>
+              <a:rPr lang="en-IE" sz="2900"/>
               <a:t>This will ask you a bunch of questions, and then create a </a:t>
             </a:r>
             <a:r>
-              <a:rPr lang="en-IE" sz="2600" b="1" dirty="0" err="1"/>
-              <a:t>package.json</a:t>
-            </a:r>
-            <a:r>
-              <a:rPr lang="en-IE" sz="2600" b="1" dirty="0"/>
-              <a:t> </a:t>
-            </a:r>
-            <a:r>
-              <a:rPr lang="en-IE" sz="2600" dirty="0"/>
+              <a:rPr lang="en-IE" sz="2900" b="1"/>
+              <a:t>package.json </a:t>
+            </a:r>
+            <a:r>
+              <a:rPr lang="en-IE" sz="2900"/>
               <a:t>for you.</a:t>
             </a:r>
-            <a:endParaRPr lang="en-IE" sz="2600" dirty="0">
+            <a:endParaRPr lang="en-IE" sz="2900">
               <a:cs typeface="Arial"/>
             </a:endParaRPr>
           </a:p>
@@ -15761,18 +15799,10 @@
               <a:buChar char="•"/>
             </a:pPr>
             <a:r>
-              <a:rPr lang="en-IE" sz="2600" dirty="0"/>
-              <a:t>It attempts to make reasonable guesses about what you want things to be set to, and then writes a </a:t>
-            </a:r>
-            <a:r>
-              <a:rPr lang="en-IE" sz="2600" dirty="0" err="1"/>
-              <a:t>package.json</a:t>
-            </a:r>
-            <a:r>
-              <a:rPr lang="en-IE" sz="2600" dirty="0"/>
-              <a:t> file with the options you've selected.</a:t>
-            </a:r>
-            <a:endParaRPr lang="en-IE" sz="2600" dirty="0">
+              <a:rPr lang="en-IE" sz="2900"/>
+              <a:t>It attempts to make reasonable guesses about what you want things to be set to, and then writes a package.json file with the options you've selected.</a:t>
+            </a:r>
+            <a:endParaRPr lang="en-IE" sz="2900">
               <a:cs typeface="Arial"/>
             </a:endParaRPr>
           </a:p>
@@ -15782,7 +15812,7 @@
                 <a:spcPts val="600"/>
               </a:spcAft>
             </a:pPr>
-            <a:endParaRPr lang="en-IE" sz="2600" dirty="0"/>
+            <a:endParaRPr lang="en-IE" sz="2900"/>
           </a:p>
           <a:p>
             <a:pPr>
@@ -15790,7 +15820,7 @@
                 <a:spcPts val="600"/>
               </a:spcAft>
             </a:pPr>
-            <a:endParaRPr lang="en-IE" sz="2600" dirty="0"/>
+            <a:endParaRPr lang="en-IE" sz="2900"/>
           </a:p>
         </p:txBody>
       </p:sp>
@@ -15810,6 +15840,14 @@
 <file path=ppt/slides/slide6.xml><?xml version="1.0" encoding="utf-8"?>
 <p:sld xmlns:a="http://schemas.openxmlformats.org/drawingml/2006/main" xmlns:r="http://schemas.openxmlformats.org/officeDocument/2006/relationships" xmlns:p="http://schemas.openxmlformats.org/presentationml/2006/main">
   <p:cSld>
+    <p:bg>
+      <p:bgPr>
+        <a:solidFill>
+          <a:schemeClr val="bg1"/>
+        </a:solidFill>
+        <a:effectLst/>
+      </p:bgPr>
+    </p:bg>
     <p:spTree>
       <p:nvGrpSpPr>
         <p:cNvPr id="1" name=""/>
@@ -15826,6 +15864,69 @@
       </p:grpSpPr>
       <p:sp>
         <p:nvSpPr>
+          <p:cNvPr id="8" name="Rectangle 7">
+            <a:extLst>
+              <a:ext uri="{FF2B5EF4-FFF2-40B4-BE49-F238E27FC236}">
+                <a16:creationId xmlns:a16="http://schemas.microsoft.com/office/drawing/2014/main" id="{DE7FFD28-545C-4C88-A2E7-152FB234C92C}"/>
+              </a:ext>
+              <a:ext uri="{C183D7F6-B498-43B3-948B-1728B52AA6E4}">
+                <adec:decorative xmlns:adec="http://schemas.microsoft.com/office/drawing/2017/decorative" val="1"/>
+              </a:ext>
+            </a:extLst>
+          </p:cNvPr>
+          <p:cNvSpPr>
+            <a:spLocks noGrp="1" noRot="1" noChangeAspect="1" noMove="1" noResize="1" noEditPoints="1" noAdjustHandles="1" noChangeArrowheads="1" noChangeShapeType="1" noTextEdit="1"/>
+          </p:cNvSpPr>
+          <p:nvPr>
+            <p:extLst>
+              <p:ext uri="{386F3935-93C4-4BCD-93E2-E3B085C9AB24}">
+                <p16:designElem xmlns:p16="http://schemas.microsoft.com/office/powerpoint/2015/main" val="1"/>
+              </p:ext>
+            </p:extLst>
+          </p:nvPr>
+        </p:nvSpPr>
+        <p:spPr>
+          <a:xfrm>
+            <a:off x="0" y="0"/>
+            <a:ext cx="13439775" cy="2106909"/>
+          </a:xfrm>
+          <a:prstGeom prst="rect">
+            <a:avLst/>
+          </a:prstGeom>
+          <a:solidFill>
+            <a:schemeClr val="accent5"/>
+          </a:solidFill>
+          <a:ln>
+            <a:noFill/>
+          </a:ln>
+        </p:spPr>
+        <p:style>
+          <a:lnRef idx="2">
+            <a:schemeClr val="accent1">
+              <a:shade val="50000"/>
+            </a:schemeClr>
+          </a:lnRef>
+          <a:fillRef idx="1">
+            <a:schemeClr val="accent1"/>
+          </a:fillRef>
+          <a:effectRef idx="0">
+            <a:schemeClr val="accent1"/>
+          </a:effectRef>
+          <a:fontRef idx="minor">
+            <a:schemeClr val="lt1"/>
+          </a:fontRef>
+        </p:style>
+        <p:txBody>
+          <a:bodyPr rtlCol="0" anchor="ctr"/>
+          <a:lstStyle/>
+          <a:p>
+            <a:pPr algn="ctr"/>
+            <a:endParaRPr lang="en-US"/>
+          </a:p>
+        </p:txBody>
+      </p:sp>
+      <p:sp>
+        <p:nvSpPr>
           <p:cNvPr id="2" name="Title 1">
             <a:extLst>
               <a:ext uri="{FF2B5EF4-FFF2-40B4-BE49-F238E27FC236}">
@@ -15840,13 +15941,24 @@
             <p:ph type="title"/>
           </p:nvPr>
         </p:nvSpPr>
-        <p:spPr/>
+        <p:spPr>
+          <a:xfrm>
+            <a:off x="923984" y="402482"/>
+            <a:ext cx="11591806" cy="1461188"/>
+          </a:xfrm>
+        </p:spPr>
         <p:txBody>
-          <a:bodyPr/>
+          <a:bodyPr>
+            <a:normAutofit/>
+          </a:bodyPr>
           <a:lstStyle/>
           <a:p>
             <a:r>
-              <a:rPr lang="en-IE" dirty="0"/>
+              <a:rPr lang="en-IE" sz="5100">
+                <a:solidFill>
+                  <a:srgbClr val="FFFFFF"/>
+                </a:solidFill>
+              </a:rPr>
               <a:t>NPX - the package runner</a:t>
             </a:r>
           </a:p>
@@ -15868,149 +15980,114 @@
             <p:ph type="body"/>
           </p:nvPr>
         </p:nvSpPr>
-        <p:spPr/>
+        <p:spPr>
+          <a:xfrm>
+            <a:off x="923984" y="2687884"/>
+            <a:ext cx="11591806" cy="4121072"/>
+          </a:xfrm>
+        </p:spPr>
         <p:txBody>
-          <a:bodyPr/>
+          <a:bodyPr>
+            <a:normAutofit/>
+          </a:bodyPr>
           <a:lstStyle/>
           <a:p>
-            <a:r>
-              <a:rPr lang="en-GB" b="0" i="0" dirty="0">
-                <a:solidFill>
-                  <a:srgbClr val="0A0A23"/>
-                </a:solidFill>
+            <a:pPr>
+              <a:spcAft>
+                <a:spcPts val="600"/>
+              </a:spcAft>
+            </a:pPr>
+            <a:r>
+              <a:rPr lang="en-GB" sz="2900" b="0" i="0">
                 <a:effectLst/>
                 <a:latin typeface="Lato"/>
               </a:rPr>
-              <a:t> Makes it easy to run a Node.js based executable that you would normally install via </a:t>
-            </a:r>
-            <a:r>
-              <a:rPr lang="en-GB" b="0" i="0" dirty="0" err="1">
-                <a:solidFill>
-                  <a:srgbClr val="0A0A23"/>
-                </a:solidFill>
-                <a:effectLst/>
+              <a:t> Makes it easy to run a Node.js based executable that you would normally install via npm.</a:t>
+            </a:r>
+          </a:p>
+          <a:p>
+            <a:pPr>
+              <a:spcAft>
+                <a:spcPts val="600"/>
+              </a:spcAft>
+            </a:pPr>
+            <a:r>
+              <a:rPr lang="en-GB" sz="2900">
                 <a:latin typeface="Lato"/>
               </a:rPr>
-              <a:t>npm</a:t>
-            </a:r>
-            <a:r>
-              <a:rPr lang="en-GB" b="0" i="0" dirty="0">
-                <a:solidFill>
-                  <a:srgbClr val="0A0A23"/>
-                </a:solidFill>
-                <a:effectLst/>
+              <a:t>Can use it at command line to execute packages, even if they are not previously installed.</a:t>
+            </a:r>
+          </a:p>
+          <a:p>
+            <a:pPr>
+              <a:spcAft>
+                <a:spcPts val="600"/>
+              </a:spcAft>
+            </a:pPr>
+            <a:r>
+              <a:rPr lang="en-GB" sz="2900">
                 <a:latin typeface="Lato"/>
               </a:rPr>
-              <a:t>.</a:t>
-            </a:r>
-          </a:p>
-          <a:p>
-            <a:r>
-              <a:rPr lang="en-GB" dirty="0">
-                <a:solidFill>
-                  <a:srgbClr val="0A0A23"/>
-                </a:solidFill>
+              <a:t>Very good for one-off commands/tests</a:t>
+            </a:r>
+          </a:p>
+          <a:p>
+            <a:pPr>
+              <a:spcAft>
+                <a:spcPts val="600"/>
+              </a:spcAft>
+            </a:pPr>
+            <a:r>
+              <a:rPr lang="en-GB" sz="2900">
                 <a:latin typeface="Lato"/>
               </a:rPr>
-              <a:t>Can use it at command line to execute packages, even if they are not previously installed.</a:t>
-            </a:r>
-          </a:p>
-          <a:p>
-            <a:r>
-              <a:rPr lang="en-GB" dirty="0">
-                <a:solidFill>
-                  <a:srgbClr val="0A0A23"/>
-                </a:solidFill>
+              <a:t>Comes with the latest versions of NPM</a:t>
+            </a:r>
+          </a:p>
+          <a:p>
+            <a:pPr>
+              <a:spcAft>
+                <a:spcPts val="600"/>
+              </a:spcAft>
+            </a:pPr>
+            <a:r>
+              <a:rPr lang="en-GB" sz="2900">
                 <a:latin typeface="Lato"/>
               </a:rPr>
-              <a:t>Very good for one-off commands/tests</a:t>
-            </a:r>
-          </a:p>
-          <a:p>
-            <a:r>
-              <a:rPr lang="en-GB" dirty="0">
-                <a:solidFill>
-                  <a:srgbClr val="0A0A23"/>
-                </a:solidFill>
-                <a:latin typeface="Lato"/>
-              </a:rPr>
-              <a:t>Comes with the latest versions of NPM</a:t>
-            </a:r>
-          </a:p>
-          <a:p>
-            <a:r>
-              <a:rPr lang="en-GB" dirty="0">
-                <a:solidFill>
-                  <a:srgbClr val="0A0A23"/>
-                </a:solidFill>
-                <a:latin typeface="Lato"/>
-              </a:rPr>
-              <a:t>The following example will execute the babel-node package to </a:t>
-            </a:r>
-            <a:r>
-              <a:rPr lang="en-GB" dirty="0" err="1">
-                <a:solidFill>
-                  <a:srgbClr val="0A0A23"/>
-                </a:solidFill>
-                <a:latin typeface="Lato"/>
-              </a:rPr>
-              <a:t>transpile</a:t>
-            </a:r>
-            <a:r>
-              <a:rPr lang="en-GB" dirty="0">
-                <a:solidFill>
-                  <a:srgbClr val="0A0A23"/>
-                </a:solidFill>
-                <a:latin typeface="Lato"/>
-              </a:rPr>
-              <a:t> and run index.js.</a:t>
+              <a:t>The following example will execute the babel-node package to transpile and run index.js.</a:t>
             </a:r>
           </a:p>
           <a:p>
             <a:pPr marL="0" indent="0">
+              <a:spcAft>
+                <a:spcPts val="600"/>
+              </a:spcAft>
               <a:buNone/>
             </a:pPr>
             <a:r>
-              <a:rPr lang="en-GB" b="1" dirty="0">
-                <a:solidFill>
-                  <a:srgbClr val="0A0A23"/>
-                </a:solidFill>
+              <a:rPr lang="en-GB" sz="2900" b="1">
                 <a:latin typeface="Lato"/>
               </a:rPr>
-              <a:t>				</a:t>
-            </a:r>
-            <a:r>
-              <a:rPr lang="en-GB" b="1" dirty="0" err="1">
-                <a:solidFill>
-                  <a:srgbClr val="0A0A23"/>
-                </a:solidFill>
-                <a:latin typeface="Lato"/>
-              </a:rPr>
-              <a:t>npx</a:t>
-            </a:r>
-            <a:r>
-              <a:rPr lang="en-GB" b="1" dirty="0">
-                <a:solidFill>
-                  <a:srgbClr val="0A0A23"/>
-                </a:solidFill>
-                <a:latin typeface="Lato"/>
-              </a:rPr>
-              <a:t> babel-node index.js</a:t>
-            </a:r>
-          </a:p>
-          <a:p>
-            <a:endParaRPr lang="en-GB" dirty="0">
-              <a:solidFill>
-                <a:srgbClr val="0A0A23"/>
-              </a:solidFill>
+              <a:t>				npx babel-node index.js</a:t>
+            </a:r>
+          </a:p>
+          <a:p>
+            <a:pPr>
+              <a:spcAft>
+                <a:spcPts val="600"/>
+              </a:spcAft>
+            </a:pPr>
+            <a:endParaRPr lang="en-GB" sz="2900">
               <a:latin typeface="Lato"/>
             </a:endParaRPr>
           </a:p>
           <a:p>
-            <a:endParaRPr lang="en-GB" dirty="0">
-              <a:solidFill>
-                <a:srgbClr val="0A0A23"/>
-              </a:solidFill>
+            <a:pPr>
+              <a:spcAft>
+                <a:spcPts val="600"/>
+              </a:spcAft>
+            </a:pPr>
+            <a:endParaRPr lang="en-GB" sz="2900">
               <a:latin typeface="Lato"/>
             </a:endParaRPr>
           </a:p>
@@ -17512,7 +17589,7 @@
               </a:spcAft>
             </a:pPr>
             <a:r>
-              <a:rPr lang="en-IE" sz="2400" b="1"/>
+              <a:rPr lang="en-IE" sz="2400" b="1" dirty="0"/>
               <a:t>Node.js:</a:t>
             </a:r>
           </a:p>
@@ -17523,7 +17600,7 @@
               </a:spcAft>
             </a:pPr>
             <a:r>
-              <a:rPr lang="en-IE" sz="2400"/>
+              <a:rPr lang="en-IE" sz="2400" dirty="0"/>
               <a:t>We just talked about it</a:t>
             </a:r>
           </a:p>
@@ -17534,7 +17611,7 @@
               </a:spcAft>
             </a:pPr>
             <a:r>
-              <a:rPr lang="en-IE" sz="2400" b="1"/>
+              <a:rPr lang="en-IE" sz="2400" b="1" dirty="0"/>
               <a:t>Babel:</a:t>
             </a:r>
           </a:p>
@@ -17545,8 +17622,16 @@
               </a:spcAft>
             </a:pPr>
             <a:r>
-              <a:rPr lang="en-IE" sz="2400"/>
-              <a:t>Allow us to use up-to-date Javascript features, according to ECMAScript Standardisation</a:t>
+              <a:rPr lang="en-IE" sz="2400" dirty="0"/>
+              <a:t>Allow us to use up-to-date </a:t>
+            </a:r>
+            <a:r>
+              <a:rPr lang="en-IE" sz="2400" dirty="0" err="1"/>
+              <a:t>Javascript</a:t>
+            </a:r>
+            <a:r>
+              <a:rPr lang="en-IE" sz="2400" dirty="0"/>
+              <a:t> features, according to ECMAScript Standardisation</a:t>
             </a:r>
           </a:p>
           <a:p>
@@ -17556,8 +17641,12 @@
               </a:spcAft>
             </a:pPr>
             <a:r>
-              <a:rPr lang="en-IE" sz="2400" b="1"/>
-              <a:t>Nodemon:</a:t>
+              <a:rPr lang="en-IE" sz="2400" b="1" dirty="0" err="1"/>
+              <a:t>Nodemon</a:t>
+            </a:r>
+            <a:r>
+              <a:rPr lang="en-IE" sz="2400" b="1" dirty="0"/>
+              <a:t>:</a:t>
             </a:r>
           </a:p>
           <a:p>
@@ -17567,7 +17656,7 @@
               </a:spcAft>
             </a:pPr>
             <a:r>
-              <a:rPr lang="en-GB" sz="2400"/>
+              <a:rPr lang="en-GB" sz="2400" dirty="0"/>
               <a:t>monitor for any changes in your source and automatically restart your node app. </a:t>
             </a:r>
           </a:p>
@@ -17578,8 +17667,12 @@
               </a:spcAft>
             </a:pPr>
             <a:r>
-              <a:rPr lang="en-GB" sz="2400" b="1"/>
-              <a:t>ESLint:</a:t>
+              <a:rPr lang="en-GB" sz="2400" b="1" dirty="0" err="1"/>
+              <a:t>ESLint</a:t>
+            </a:r>
+            <a:r>
+              <a:rPr lang="en-GB" sz="2400" b="1" dirty="0"/>
+              <a:t>:</a:t>
             </a:r>
           </a:p>
           <a:p>
@@ -17589,9 +17682,14 @@
               </a:spcAft>
             </a:pPr>
             <a:r>
-              <a:rPr lang="en-GB" sz="2400"/>
-              <a:t>Find, report and fix problems in your javascript</a:t>
-            </a:r>
+              <a:rPr lang="en-GB" sz="2400" dirty="0"/>
+              <a:t>Find, report and fix problems in your </a:t>
+            </a:r>
+            <a:r>
+              <a:rPr lang="en-GB" sz="2400" dirty="0" err="1"/>
+              <a:t>javascript</a:t>
+            </a:r>
+            <a:endParaRPr lang="en-GB" sz="2400" dirty="0"/>
           </a:p>
           <a:p>
             <a:pPr>
@@ -17600,7 +17698,7 @@
               </a:spcAft>
             </a:pPr>
             <a:r>
-              <a:rPr lang="en-GB" sz="2400" b="1"/>
+              <a:rPr lang="en-GB" sz="2400" b="1" dirty="0"/>
               <a:t>Testing:</a:t>
             </a:r>
           </a:p>
@@ -17611,7 +17709,7 @@
               </a:spcAft>
             </a:pPr>
             <a:r>
-              <a:rPr lang="en-GB" sz="2400"/>
+              <a:rPr lang="en-GB" sz="2400" dirty="0"/>
               <a:t>Manual: Postman</a:t>
             </a:r>
           </a:p>
@@ -17622,10 +17720,18 @@
               </a:spcAft>
             </a:pPr>
             <a:r>
-              <a:rPr lang="en-GB" sz="2400"/>
-              <a:t>Automated: Mocha, Should, Signon (more later…)</a:t>
-            </a:r>
-            <a:endParaRPr lang="en-IE" sz="2400"/>
+              <a:rPr lang="en-GB" sz="2400" dirty="0"/>
+              <a:t>Automated: Mocha, Should, </a:t>
+            </a:r>
+            <a:r>
+              <a:rPr lang="en-GB" sz="2400" dirty="0" err="1"/>
+              <a:t>Signon</a:t>
+            </a:r>
+            <a:r>
+              <a:rPr lang="en-GB" sz="2400" dirty="0"/>
+              <a:t> (more later…)</a:t>
+            </a:r>
+            <a:endParaRPr lang="en-IE" sz="2400" dirty="0"/>
           </a:p>
         </p:txBody>
       </p:sp>
